--- a/powerpoints/Day_27.pptx
+++ b/powerpoints/Day_27.pptx
@@ -34297,7 +34297,7 @@
           <a:p>
             <a:r>
               <a:rPr lang="en-US" dirty="0"/>
-              <a:t>Design Patterns - DAO</a:t>
+              <a:t>Design Patterns – DAO (Review)</a:t>
             </a:r>
           </a:p>
         </p:txBody>
